--- a/doug_steen_capstone_pres.pptx
+++ b/doug_steen_capstone_pres.pptx
@@ -9508,7 +9508,7 @@
           <a:pPr algn="l"/>
           <a:r>
             <a:rPr lang="en-US" sz="2100" dirty="0"/>
-            <a:t>-Perceptron (Neural Net.)</a:t>
+            <a:t>-Neural Network</a:t>
           </a:r>
         </a:p>
       </dgm:t>
@@ -10716,7 +10716,7 @@
           </a:pPr>
           <a:r>
             <a:rPr lang="en-US" sz="2100" kern="1200" dirty="0"/>
-            <a:t>-Perceptron (Neural Net.)</a:t>
+            <a:t>-Neural Network</a:t>
           </a:r>
         </a:p>
       </dsp:txBody>
@@ -24164,7 +24164,7 @@
           <a:p>
             <a:fld id="{323C9C75-85FC-4E88-B034-494BB3CC4355}" type="datetimeFigureOut">
               <a:rPr lang="en-US" smtClean="0"/>
-              <a:t>3/25/2020</a:t>
+              <a:t>3/28/2020</a:t>
             </a:fld>
             <a:endParaRPr lang="en-US"/>
           </a:p>
@@ -24334,7 +24334,7 @@
           <a:p>
             <a:fld id="{323C9C75-85FC-4E88-B034-494BB3CC4355}" type="datetimeFigureOut">
               <a:rPr lang="en-US" smtClean="0"/>
-              <a:t>3/25/2020</a:t>
+              <a:t>3/28/2020</a:t>
             </a:fld>
             <a:endParaRPr lang="en-US"/>
           </a:p>
@@ -24514,7 +24514,7 @@
           <a:p>
             <a:fld id="{323C9C75-85FC-4E88-B034-494BB3CC4355}" type="datetimeFigureOut">
               <a:rPr lang="en-US" smtClean="0"/>
-              <a:t>3/25/2020</a:t>
+              <a:t>3/28/2020</a:t>
             </a:fld>
             <a:endParaRPr lang="en-US"/>
           </a:p>
@@ -24684,7 +24684,7 @@
           <a:p>
             <a:fld id="{323C9C75-85FC-4E88-B034-494BB3CC4355}" type="datetimeFigureOut">
               <a:rPr lang="en-US" smtClean="0"/>
-              <a:t>3/25/2020</a:t>
+              <a:t>3/28/2020</a:t>
             </a:fld>
             <a:endParaRPr lang="en-US"/>
           </a:p>
@@ -24942,7 +24942,7 @@
           <a:p>
             <a:fld id="{323C9C75-85FC-4E88-B034-494BB3CC4355}" type="datetimeFigureOut">
               <a:rPr lang="en-US" smtClean="0"/>
-              <a:t>3/25/2020</a:t>
+              <a:t>3/28/2020</a:t>
             </a:fld>
             <a:endParaRPr lang="en-US"/>
           </a:p>
@@ -25230,7 +25230,7 @@
           <a:p>
             <a:fld id="{323C9C75-85FC-4E88-B034-494BB3CC4355}" type="datetimeFigureOut">
               <a:rPr lang="en-US" smtClean="0"/>
-              <a:t>3/25/2020</a:t>
+              <a:t>3/28/2020</a:t>
             </a:fld>
             <a:endParaRPr lang="en-US"/>
           </a:p>
@@ -25672,7 +25672,7 @@
           <a:p>
             <a:fld id="{323C9C75-85FC-4E88-B034-494BB3CC4355}" type="datetimeFigureOut">
               <a:rPr lang="en-US" smtClean="0"/>
-              <a:t>3/25/2020</a:t>
+              <a:t>3/28/2020</a:t>
             </a:fld>
             <a:endParaRPr lang="en-US"/>
           </a:p>
@@ -25790,7 +25790,7 @@
           <a:p>
             <a:fld id="{323C9C75-85FC-4E88-B034-494BB3CC4355}" type="datetimeFigureOut">
               <a:rPr lang="en-US" smtClean="0"/>
-              <a:t>3/25/2020</a:t>
+              <a:t>3/28/2020</a:t>
             </a:fld>
             <a:endParaRPr lang="en-US"/>
           </a:p>
@@ -25885,7 +25885,7 @@
           <a:p>
             <a:fld id="{323C9C75-85FC-4E88-B034-494BB3CC4355}" type="datetimeFigureOut">
               <a:rPr lang="en-US" smtClean="0"/>
-              <a:t>3/25/2020</a:t>
+              <a:t>3/28/2020</a:t>
             </a:fld>
             <a:endParaRPr lang="en-US"/>
           </a:p>
@@ -26173,7 +26173,7 @@
           <a:p>
             <a:fld id="{323C9C75-85FC-4E88-B034-494BB3CC4355}" type="datetimeFigureOut">
               <a:rPr lang="en-US" smtClean="0"/>
-              <a:t>3/25/2020</a:t>
+              <a:t>3/28/2020</a:t>
             </a:fld>
             <a:endParaRPr lang="en-US"/>
           </a:p>
@@ -26446,7 +26446,7 @@
           <a:p>
             <a:fld id="{323C9C75-85FC-4E88-B034-494BB3CC4355}" type="datetimeFigureOut">
               <a:rPr lang="en-US" smtClean="0"/>
-              <a:t>3/25/2020</a:t>
+              <a:t>3/28/2020</a:t>
             </a:fld>
             <a:endParaRPr lang="en-US"/>
           </a:p>
@@ -26743,7 +26743,7 @@
           <a:p>
             <a:fld id="{323C9C75-85FC-4E88-B034-494BB3CC4355}" type="datetimeFigureOut">
               <a:rPr lang="en-US" smtClean="0"/>
-              <a:t>3/25/2020</a:t>
+              <a:t>3/28/2020</a:t>
             </a:fld>
             <a:endParaRPr lang="en-US"/>
           </a:p>
@@ -27691,10 +27691,16 @@
             </a:extLst>
           </p:cNvPr>
           <p:cNvGraphicFramePr/>
-          <p:nvPr/>
+          <p:nvPr>
+            <p:extLst>
+              <p:ext uri="{D42A27DB-BD31-4B8C-83A1-F6EECF244321}">
+                <p14:modId xmlns:p14="http://schemas.microsoft.com/office/powerpoint/2010/main" val="3006345669"/>
+              </p:ext>
+            </p:extLst>
+          </p:nvPr>
         </p:nvGraphicFramePr>
         <p:xfrm>
-          <a:off x="837531" y="1527752"/>
+          <a:off x="810897" y="1030606"/>
           <a:ext cx="2298693" cy="734224"/>
         </p:xfrm>
         <a:graphic>
@@ -27719,7 +27725,7 @@
         </p:nvCxnSpPr>
         <p:spPr>
           <a:xfrm>
-            <a:off x="3151709" y="1804293"/>
+            <a:off x="3125075" y="1307147"/>
             <a:ext cx="1217998" cy="410635"/>
           </a:xfrm>
           <a:prstGeom prst="bentConnector3">
@@ -27727,7 +27733,7 @@
               <a:gd name="adj1" fmla="val 48213"/>
             </a:avLst>
           </a:prstGeom>
-          <a:ln w="25400">
+          <a:ln w="57150">
             <a:solidFill>
               <a:schemeClr val="tx1"/>
             </a:solidFill>
@@ -27765,7 +27771,7 @@
         </p:nvCxnSpPr>
         <p:spPr>
           <a:xfrm>
-            <a:off x="7331445" y="2596355"/>
+            <a:off x="7304811" y="2099209"/>
             <a:ext cx="0" cy="314251"/>
           </a:xfrm>
           <a:prstGeom prst="straightConnector1">
@@ -27803,10 +27809,16 @@
             </a:extLst>
           </p:cNvPr>
           <p:cNvGraphicFramePr/>
-          <p:nvPr/>
+          <p:nvPr>
+            <p:extLst>
+              <p:ext uri="{D42A27DB-BD31-4B8C-83A1-F6EECF244321}">
+                <p14:modId xmlns:p14="http://schemas.microsoft.com/office/powerpoint/2010/main" val="3006639675"/>
+              </p:ext>
+            </p:extLst>
+          </p:nvPr>
         </p:nvGraphicFramePr>
         <p:xfrm>
-          <a:off x="606783" y="2731860"/>
+          <a:off x="580149" y="2234714"/>
           <a:ext cx="2529441" cy="734224"/>
         </p:xfrm>
         <a:graphic>
@@ -27831,7 +27843,7 @@
         </p:nvCxnSpPr>
         <p:spPr>
           <a:xfrm>
-            <a:off x="3136224" y="3154583"/>
+            <a:off x="3109590" y="2657437"/>
             <a:ext cx="1217998" cy="697599"/>
           </a:xfrm>
           <a:prstGeom prst="bentConnector3">
@@ -27839,7 +27851,7 @@
               <a:gd name="adj1" fmla="val 27656"/>
             </a:avLst>
           </a:prstGeom>
-          <a:ln w="25400">
+          <a:ln w="38100">
             <a:solidFill>
               <a:schemeClr val="tx1"/>
             </a:solidFill>
@@ -27872,10 +27884,16 @@
             </a:extLst>
           </p:cNvPr>
           <p:cNvGraphicFramePr/>
-          <p:nvPr/>
+          <p:nvPr>
+            <p:extLst>
+              <p:ext uri="{D42A27DB-BD31-4B8C-83A1-F6EECF244321}">
+                <p14:modId xmlns:p14="http://schemas.microsoft.com/office/powerpoint/2010/main" val="1322910345"/>
+              </p:ext>
+            </p:extLst>
+          </p:nvPr>
         </p:nvGraphicFramePr>
         <p:xfrm>
-          <a:off x="4354223" y="911252"/>
+          <a:off x="4327589" y="414106"/>
           <a:ext cx="3157418" cy="2607351"/>
         </p:xfrm>
         <a:graphic>
@@ -27894,10 +27912,16 @@
             </a:extLst>
           </p:cNvPr>
           <p:cNvGraphicFramePr/>
-          <p:nvPr/>
+          <p:nvPr>
+            <p:extLst>
+              <p:ext uri="{D42A27DB-BD31-4B8C-83A1-F6EECF244321}">
+                <p14:modId xmlns:p14="http://schemas.microsoft.com/office/powerpoint/2010/main" val="3278810044"/>
+              </p:ext>
+            </p:extLst>
+          </p:nvPr>
         </p:nvGraphicFramePr>
         <p:xfrm>
-          <a:off x="8180568" y="986066"/>
+          <a:off x="8153934" y="488920"/>
           <a:ext cx="3576005" cy="3648526"/>
         </p:xfrm>
         <a:graphic>
@@ -27922,13 +27946,13 @@
         </p:nvCxnSpPr>
         <p:spPr>
           <a:xfrm>
-            <a:off x="7414903" y="3008580"/>
-            <a:ext cx="870442" cy="0"/>
+            <a:off x="7485007" y="2413460"/>
+            <a:ext cx="830318" cy="0"/>
           </a:xfrm>
           <a:prstGeom prst="straightConnector1">
             <a:avLst/>
           </a:prstGeom>
-          <a:ln w="25400">
+          <a:ln w="57150">
             <a:solidFill>
               <a:schemeClr val="tx1"/>
             </a:solidFill>
@@ -27964,7 +27988,7 @@
         </p:nvGrpSpPr>
         <p:grpSpPr>
           <a:xfrm>
-            <a:off x="4376107" y="3033656"/>
+            <a:off x="4349473" y="2536510"/>
             <a:ext cx="3157418" cy="1139203"/>
             <a:chOff x="0" y="196675"/>
             <a:chExt cx="3157418" cy="2234871"/>
@@ -28124,13 +28148,13 @@
         </p:nvCxnSpPr>
         <p:spPr>
           <a:xfrm rot="16200000" flipH="1">
-            <a:off x="3333842" y="2560992"/>
+            <a:off x="3307208" y="2063846"/>
             <a:ext cx="1453647" cy="630884"/>
           </a:xfrm>
           <a:prstGeom prst="bentConnector2">
             <a:avLst/>
           </a:prstGeom>
-          <a:ln w="25400">
+          <a:ln w="57150">
             <a:solidFill>
               <a:schemeClr val="tx1"/>
             </a:solidFill>
@@ -28152,49 +28176,6 @@
           </a:fontRef>
         </p:style>
       </p:cxnSp>
-      <p:sp>
-        <p:nvSpPr>
-          <p:cNvPr id="80" name="TextBox 79">
-            <a:extLst>
-              <a:ext uri="{FF2B5EF4-FFF2-40B4-BE49-F238E27FC236}">
-                <a16:creationId xmlns:a16="http://schemas.microsoft.com/office/drawing/2014/main" id="{D1640483-5AF7-4F90-BCE6-33FA6582AEB7}"/>
-              </a:ext>
-            </a:extLst>
-          </p:cNvPr>
-          <p:cNvSpPr txBox="1"/>
-          <p:nvPr/>
-        </p:nvSpPr>
-        <p:spPr>
-          <a:xfrm>
-            <a:off x="0" y="155069"/>
-            <a:ext cx="12192000" cy="830997"/>
-          </a:xfrm>
-          <a:prstGeom prst="rect">
-            <a:avLst/>
-          </a:prstGeom>
-          <a:solidFill>
-            <a:schemeClr val="bg1">
-              <a:lumMod val="65000"/>
-            </a:schemeClr>
-          </a:solidFill>
-        </p:spPr>
-        <p:txBody>
-          <a:bodyPr wrap="square" rtlCol="0">
-            <a:spAutoFit/>
-          </a:bodyPr>
-          <a:lstStyle/>
-          <a:p>
-            <a:r>
-              <a:rPr lang="en-US" sz="4800" dirty="0">
-                <a:solidFill>
-                  <a:schemeClr val="bg1"/>
-                </a:solidFill>
-              </a:rPr>
-              <a:t>Building a Tweet Classifier</a:t>
-            </a:r>
-          </a:p>
-        </p:txBody>
-      </p:sp>
       <p:cxnSp>
         <p:nvCxnSpPr>
           <p:cNvPr id="84" name="Connector: Elbow 83">
@@ -28212,13 +28193,13 @@
         </p:nvCxnSpPr>
         <p:spPr>
           <a:xfrm rot="5400000">
-            <a:off x="8814511" y="4580905"/>
-            <a:ext cx="1153886" cy="1120829"/>
+            <a:off x="8720668" y="3936650"/>
+            <a:ext cx="1368204" cy="1200729"/>
           </a:xfrm>
           <a:prstGeom prst="bentConnector2">
             <a:avLst/>
           </a:prstGeom>
-          <a:ln w="25400">
+          <a:ln w="57150">
             <a:solidFill>
               <a:schemeClr val="tx1"/>
             </a:solidFill>
@@ -28250,10 +28231,16 @@
             </a:extLst>
           </p:cNvPr>
           <p:cNvGraphicFramePr/>
-          <p:nvPr/>
+          <p:nvPr>
+            <p:extLst>
+              <p:ext uri="{D42A27DB-BD31-4B8C-83A1-F6EECF244321}">
+                <p14:modId xmlns:p14="http://schemas.microsoft.com/office/powerpoint/2010/main" val="318653743"/>
+              </p:ext>
+            </p:extLst>
+          </p:nvPr>
         </p:nvGraphicFramePr>
         <p:xfrm>
-          <a:off x="5484995" y="4739296"/>
+          <a:off x="5458361" y="4242150"/>
           <a:ext cx="3346044" cy="1957932"/>
         </p:xfrm>
         <a:graphic>
@@ -28278,13 +28265,13 @@
         </p:nvCxnSpPr>
         <p:spPr>
           <a:xfrm flipH="1">
-            <a:off x="4060665" y="5682343"/>
-            <a:ext cx="1643454" cy="0"/>
+            <a:off x="4124325" y="5185197"/>
+            <a:ext cx="1504950" cy="0"/>
           </a:xfrm>
           <a:prstGeom prst="straightConnector1">
             <a:avLst/>
           </a:prstGeom>
-          <a:ln w="25400">
+          <a:ln w="57150">
             <a:solidFill>
               <a:schemeClr val="tx1"/>
             </a:solidFill>
@@ -28316,10 +28303,16 @@
             </a:extLst>
           </p:cNvPr>
           <p:cNvGraphicFramePr/>
-          <p:nvPr/>
+          <p:nvPr>
+            <p:extLst>
+              <p:ext uri="{D42A27DB-BD31-4B8C-83A1-F6EECF244321}">
+                <p14:modId xmlns:p14="http://schemas.microsoft.com/office/powerpoint/2010/main" val="903619611"/>
+              </p:ext>
+            </p:extLst>
+          </p:nvPr>
         </p:nvGraphicFramePr>
         <p:xfrm>
-          <a:off x="1252151" y="4669322"/>
+          <a:off x="1225517" y="4172176"/>
           <a:ext cx="2808514" cy="1957932"/>
         </p:xfrm>
         <a:graphic>
@@ -28328,31 +28321,68 @@
           </a:graphicData>
         </a:graphic>
       </p:graphicFrame>
-      <p:cxnSp>
-        <p:nvCxnSpPr>
-          <p:cNvPr id="109" name="Straight Arrow Connector 108">
+      <p:sp>
+        <p:nvSpPr>
+          <p:cNvPr id="2" name="TextBox 1">
             <a:extLst>
               <a:ext uri="{FF2B5EF4-FFF2-40B4-BE49-F238E27FC236}">
-                <a16:creationId xmlns:a16="http://schemas.microsoft.com/office/drawing/2014/main" id="{957B18AD-D0C3-436E-8F13-C8EA1FF725E4}"/>
+                <a16:creationId xmlns:a16="http://schemas.microsoft.com/office/drawing/2014/main" id="{93B81C46-DF14-4D67-A8CE-4933C33424B0}"/>
               </a:ext>
             </a:extLst>
           </p:cNvPr>
-          <p:cNvCxnSpPr/>
+          <p:cNvSpPr txBox="1"/>
+          <p:nvPr/>
+        </p:nvSpPr>
+        <p:spPr>
+          <a:xfrm>
+            <a:off x="773431" y="2993086"/>
+            <a:ext cx="2138445" cy="338554"/>
+          </a:xfrm>
+          <a:prstGeom prst="rect">
+            <a:avLst/>
+          </a:prstGeom>
+          <a:noFill/>
+        </p:spPr>
+        <p:txBody>
+          <a:bodyPr wrap="square" rtlCol="0">
+            <a:spAutoFit/>
+          </a:bodyPr>
+          <a:lstStyle/>
+          <a:p>
+            <a:pPr algn="ctr"/>
+            <a:r>
+              <a:rPr lang="en-US" sz="1600" i="1" dirty="0"/>
+              <a:t>(Only used for Doc2Vec)</a:t>
+            </a:r>
+          </a:p>
+        </p:txBody>
+      </p:sp>
+      <p:cxnSp>
+        <p:nvCxnSpPr>
+          <p:cNvPr id="27" name="Straight Arrow Connector 26">
+            <a:extLst>
+              <a:ext uri="{FF2B5EF4-FFF2-40B4-BE49-F238E27FC236}">
+                <a16:creationId xmlns:a16="http://schemas.microsoft.com/office/drawing/2014/main" id="{86EA064F-4FE0-483C-8FF7-47CAE0FF7200}"/>
+              </a:ext>
+            </a:extLst>
+          </p:cNvPr>
+          <p:cNvCxnSpPr>
+            <a:cxnSpLocks/>
+          </p:cNvCxnSpPr>
           <p:nvPr/>
         </p:nvCxnSpPr>
         <p:spPr>
-          <a:xfrm>
-            <a:off x="2503716" y="3625029"/>
-            <a:ext cx="0" cy="1153886"/>
+          <a:xfrm flipV="1">
+            <a:off x="6982635" y="3743325"/>
+            <a:ext cx="0" cy="483410"/>
           </a:xfrm>
           <a:prstGeom prst="straightConnector1">
             <a:avLst/>
           </a:prstGeom>
-          <a:ln w="25400">
+          <a:ln w="57150">
             <a:solidFill>
               <a:schemeClr val="tx1"/>
             </a:solidFill>
-            <a:prstDash val="dash"/>
             <a:tailEnd type="triangle"/>
           </a:ln>
         </p:spPr>

--- a/doug_steen_capstone_pres.pptx
+++ b/doug_steen_capstone_pres.pptx
@@ -27516,7 +27516,7 @@
                   </a:srgbClr>
                 </a:solidFill>
               </a:rPr>
-              <a:t>3/27/2020</a:t>
+              <a:t>3/28/2020</a:t>
             </a:r>
           </a:p>
         </p:txBody>
@@ -28464,7 +28464,7 @@
             </a:br>
             <a:r>
               <a:rPr lang="en-US" dirty="0"/>
-              <a:t>Why use tweets?</a:t>
+              <a:t>Why use Twitter?</a:t>
             </a:r>
           </a:p>
         </p:txBody>
@@ -28695,7 +28695,7 @@
             <a:pPr lvl="2"/>
             <a:r>
               <a:rPr lang="en-US" dirty="0"/>
-              <a:t>Positive comments can be noted and showcased</a:t>
+              <a:t>Positive comments can be noted and promoted</a:t>
             </a:r>
           </a:p>
           <a:p>
@@ -29436,7 +29436,7 @@
         </p:blipFill>
         <p:spPr bwMode="auto">
           <a:xfrm>
-            <a:off x="4714281" y="146654"/>
+            <a:off x="4705403" y="120020"/>
             <a:ext cx="6996112" cy="4197965"/>
           </a:xfrm>
           <a:prstGeom prst="rect">
@@ -30316,7 +30316,17 @@
           <a:p>
             <a:r>
               <a:rPr lang="en-US" sz="5000" spc="-100" dirty="0"/>
-              <a:t>Top Classifier: 89% Accurate</a:t>
+              <a:t>Top Classifier:</a:t>
+            </a:r>
+            <a:br>
+              <a:rPr lang="en-US" sz="5000" spc="-100" dirty="0"/>
+            </a:br>
+            <a:br>
+              <a:rPr lang="en-US" sz="5000" spc="-100" dirty="0"/>
+            </a:br>
+            <a:r>
+              <a:rPr lang="en-US" sz="5000" spc="-100" dirty="0"/>
+              <a:t>89% Accuracy</a:t>
             </a:r>
           </a:p>
         </p:txBody>
@@ -30348,7 +30358,7 @@
         </p:blipFill>
         <p:spPr bwMode="auto">
           <a:xfrm>
-            <a:off x="5058701" y="759254"/>
+            <a:off x="4872266" y="759254"/>
             <a:ext cx="6367271" cy="5330650"/>
           </a:xfrm>
           <a:prstGeom prst="rect">
@@ -30543,8 +30553,12 @@
           </a:p>
           <a:p>
             <a:r>
+              <a:rPr lang="en-US" u="sng" dirty="0"/>
+              <a:t>DS Teams:</a:t>
+            </a:r>
+            <a:r>
               <a:rPr lang="en-US" dirty="0"/>
-              <a:t>DS Teams: Use pre-trained word vectors to build classifiers</a:t>
+              <a:t> Use pre-trained word vectors to build classifiers</a:t>
             </a:r>
           </a:p>
           <a:p>
@@ -30559,14 +30573,14 @@
             </a:r>
             <a:r>
               <a:rPr lang="en-US" dirty="0"/>
-              <a:t> pre-trained on 2 Billion tweets</a:t>
+              <a:t> pre-trained on 2 billion tweets</a:t>
             </a:r>
           </a:p>
           <a:p>
             <a:pPr lvl="1"/>
             <a:r>
               <a:rPr lang="en-US" dirty="0"/>
-              <a:t>Difficult to improve upon or match ‘from scratch’</a:t>
+              <a:t>Difficult to improve with Doc2Vec</a:t>
             </a:r>
           </a:p>
           <a:p>
@@ -30777,7 +30791,7 @@
           <a:lstStyle/>
           <a:p>
             <a:r>
-              <a:rPr lang="en-US" dirty="0"/>
+              <a:rPr lang="en-US" b="1" dirty="0"/>
               <a:t>What can still be improved? –&gt; False ‘positives’</a:t>
             </a:r>
           </a:p>
@@ -30826,7 +30840,7 @@
           </a:p>
           <a:p>
             <a:r>
-              <a:rPr lang="en-US" dirty="0"/>
+              <a:rPr lang="en-US" b="1" dirty="0"/>
               <a:t>Using twitter sentiment to help predict:</a:t>
             </a:r>
           </a:p>
@@ -30890,7 +30904,7 @@
         </p:blipFill>
         <p:spPr>
           <a:xfrm>
-            <a:off x="3800543" y="4885236"/>
+            <a:off x="3617684" y="4823093"/>
             <a:ext cx="6638926" cy="1426029"/>
           </a:xfrm>
           <a:prstGeom prst="rect">

--- a/doug_steen_capstone_pres.pptx
+++ b/doug_steen_capstone_pres.pptx
@@ -30792,7 +30792,7 @@
           <a:p>
             <a:r>
               <a:rPr lang="en-US" b="1" dirty="0"/>
-              <a:t>What can still be improved? –&gt; False ‘positives’</a:t>
+              <a:t>What can still be improved?  –&gt;  False ‘positives’</a:t>
             </a:r>
           </a:p>
           <a:p>
